--- a/w5/w5-1-clustering.pptx
+++ b/w5/w5-1-clustering.pptx
@@ -272,7 +272,7 @@
           <a:p>
             <a:fld id="{5BCCF3F8-9439-0E48-BEC3-4781F1821068}" type="datetimeFigureOut">
               <a:rPr lang="en-US" smtClean="0"/>
-              <a:t>9/20/25</a:t>
+              <a:t>9/21/25</a:t>
             </a:fld>
             <a:endParaRPr lang="en-US"/>
           </a:p>
@@ -470,7 +470,7 @@
           <a:p>
             <a:fld id="{5BCCF3F8-9439-0E48-BEC3-4781F1821068}" type="datetimeFigureOut">
               <a:rPr lang="en-US" smtClean="0"/>
-              <a:t>9/20/25</a:t>
+              <a:t>9/21/25</a:t>
             </a:fld>
             <a:endParaRPr lang="en-US"/>
           </a:p>
@@ -678,7 +678,7 @@
           <a:p>
             <a:fld id="{5BCCF3F8-9439-0E48-BEC3-4781F1821068}" type="datetimeFigureOut">
               <a:rPr lang="en-US" smtClean="0"/>
-              <a:t>9/20/25</a:t>
+              <a:t>9/21/25</a:t>
             </a:fld>
             <a:endParaRPr lang="en-US"/>
           </a:p>
@@ -876,7 +876,7 @@
           <a:p>
             <a:fld id="{5BCCF3F8-9439-0E48-BEC3-4781F1821068}" type="datetimeFigureOut">
               <a:rPr lang="en-US" smtClean="0"/>
-              <a:t>9/20/25</a:t>
+              <a:t>9/21/25</a:t>
             </a:fld>
             <a:endParaRPr lang="en-US"/>
           </a:p>
@@ -1151,7 +1151,7 @@
           <a:p>
             <a:fld id="{5BCCF3F8-9439-0E48-BEC3-4781F1821068}" type="datetimeFigureOut">
               <a:rPr lang="en-US" smtClean="0"/>
-              <a:t>9/20/25</a:t>
+              <a:t>9/21/25</a:t>
             </a:fld>
             <a:endParaRPr lang="en-US"/>
           </a:p>
@@ -1416,7 +1416,7 @@
           <a:p>
             <a:fld id="{5BCCF3F8-9439-0E48-BEC3-4781F1821068}" type="datetimeFigureOut">
               <a:rPr lang="en-US" smtClean="0"/>
-              <a:t>9/20/25</a:t>
+              <a:t>9/21/25</a:t>
             </a:fld>
             <a:endParaRPr lang="en-US"/>
           </a:p>
@@ -1828,7 +1828,7 @@
           <a:p>
             <a:fld id="{5BCCF3F8-9439-0E48-BEC3-4781F1821068}" type="datetimeFigureOut">
               <a:rPr lang="en-US" smtClean="0"/>
-              <a:t>9/20/25</a:t>
+              <a:t>9/21/25</a:t>
             </a:fld>
             <a:endParaRPr lang="en-US"/>
           </a:p>
@@ -1969,7 +1969,7 @@
           <a:p>
             <a:fld id="{5BCCF3F8-9439-0E48-BEC3-4781F1821068}" type="datetimeFigureOut">
               <a:rPr lang="en-US" smtClean="0"/>
-              <a:t>9/20/25</a:t>
+              <a:t>9/21/25</a:t>
             </a:fld>
             <a:endParaRPr lang="en-US"/>
           </a:p>
@@ -2082,7 +2082,7 @@
           <a:p>
             <a:fld id="{5BCCF3F8-9439-0E48-BEC3-4781F1821068}" type="datetimeFigureOut">
               <a:rPr lang="en-US" smtClean="0"/>
-              <a:t>9/20/25</a:t>
+              <a:t>9/21/25</a:t>
             </a:fld>
             <a:endParaRPr lang="en-US"/>
           </a:p>
@@ -2393,7 +2393,7 @@
           <a:p>
             <a:fld id="{5BCCF3F8-9439-0E48-BEC3-4781F1821068}" type="datetimeFigureOut">
               <a:rPr lang="en-US" smtClean="0"/>
-              <a:t>9/20/25</a:t>
+              <a:t>9/21/25</a:t>
             </a:fld>
             <a:endParaRPr lang="en-US"/>
           </a:p>
@@ -2681,7 +2681,7 @@
           <a:p>
             <a:fld id="{5BCCF3F8-9439-0E48-BEC3-4781F1821068}" type="datetimeFigureOut">
               <a:rPr lang="en-US" smtClean="0"/>
-              <a:t>9/20/25</a:t>
+              <a:t>9/21/25</a:t>
             </a:fld>
             <a:endParaRPr lang="en-US"/>
           </a:p>
@@ -2922,7 +2922,7 @@
           <a:p>
             <a:fld id="{5BCCF3F8-9439-0E48-BEC3-4781F1821068}" type="datetimeFigureOut">
               <a:rPr lang="en-US" smtClean="0"/>
-              <a:t>9/20/25</a:t>
+              <a:t>9/21/25</a:t>
             </a:fld>
             <a:endParaRPr lang="en-US"/>
           </a:p>
@@ -3909,7 +3909,17 @@
             </a:pPr>
             <a:r>
               <a:rPr lang="en-US" dirty="0"/>
-              <a:t>Let’s use a dataset from R for Marketing Students</a:t>
+              <a:t>Let’s use a </a:t>
+            </a:r>
+            <a:r>
+              <a:rPr lang="en-US" dirty="0">
+                <a:hlinkClick r:id="rId2"/>
+              </a:rPr>
+              <a:t>dataset</a:t>
+            </a:r>
+            <a:r>
+              <a:rPr lang="en-US" dirty="0"/>
+              <a:t> from R for Marketing Students</a:t>
             </a:r>
           </a:p>
           <a:p>
@@ -3936,7 +3946,7 @@
           <p:nvPr/>
         </p:nvPicPr>
         <p:blipFill>
-          <a:blip r:embed="rId2"/>
+          <a:blip r:embed="rId3"/>
           <a:stretch>
             <a:fillRect/>
           </a:stretch>
@@ -4032,13 +4042,17 @@
           <a:p>
             <a:r>
               <a:rPr lang="en-US" dirty="0"/>
-              <a:t>Let’s use </a:t>
-            </a:r>
-            <a:r>
-              <a:rPr lang="en-US" dirty="0">
+              <a:t>Let’s </a:t>
+            </a:r>
+            <a:r>
+              <a:rPr lang="en-US"/>
+              <a:t>use a </a:t>
+            </a:r>
+            <a:r>
+              <a:rPr lang="en-US">
                 <a:hlinkClick r:id="rId2"/>
               </a:rPr>
-              <a:t>this dataset </a:t>
+              <a:t>dataset </a:t>
             </a:r>
             <a:r>
               <a:rPr lang="en-US" dirty="0"/>
@@ -4743,6 +4757,9 @@
           <a:bodyPr/>
           <a:lstStyle/>
           <a:p>
+            <a:pPr marL="0" indent="0">
+              <a:buNone/>
+            </a:pPr>
             <a:r>
               <a:rPr lang="en-US" dirty="0"/>
               <a:t>PROBLEM: You often have more than two variables, so how can you plot the data?</a:t>
@@ -4752,6 +4769,9 @@
             <a:endParaRPr lang="en-US" dirty="0"/>
           </a:p>
           <a:p>
+            <a:pPr marL="0" indent="0">
+              <a:buNone/>
+            </a:pPr>
             <a:r>
               <a:rPr lang="en-US" dirty="0"/>
               <a:t>PCA (Principal Component Analysis): a technique used for dimensionality reduction</a:t>
